--- a/validation.pptx
+++ b/validation.pptx
@@ -7,6 +7,7 @@
   <p:sldIdLst>
     <p:sldId id="256" r:id="rId2"/>
     <p:sldId id="257" r:id="rId3"/>
+    <p:sldId id="258" r:id="rId4"/>
   </p:sldIdLst>
   <p:sldSz cx="12192000" cy="6858000"/>
   <p:notesSz cx="6858000" cy="9144000"/>
@@ -3420,7 +3421,7 @@
         </p:blipFill>
         <p:spPr>
           <a:xfrm>
-            <a:off x="376059" y="1579792"/>
+            <a:off x="237514" y="1651346"/>
             <a:ext cx="8697539" cy="1400370"/>
           </a:xfrm>
           <a:prstGeom prst="rect">
@@ -4183,7 +4184,7 @@
         </p:blipFill>
         <p:spPr>
           <a:xfrm>
-            <a:off x="599613" y="1358439"/>
+            <a:off x="575787" y="1358439"/>
             <a:ext cx="2476846" cy="409632"/>
           </a:xfrm>
           <a:prstGeom prst="rect">
@@ -4633,6 +4634,42 @@
     <p:extLst>
       <p:ext uri="{BB962C8B-B14F-4D97-AF65-F5344CB8AC3E}">
         <p14:creationId xmlns:p14="http://schemas.microsoft.com/office/powerpoint/2010/main" val="836142471"/>
+      </p:ext>
+    </p:extLst>
+  </p:cSld>
+  <p:clrMapOvr>
+    <a:masterClrMapping/>
+  </p:clrMapOvr>
+</p:sld>
+</file>
+
+<file path=ppt/slides/slide3.xml><?xml version="1.0" encoding="utf-8"?>
+<p:sld xmlns:a="http://schemas.openxmlformats.org/drawingml/2006/main" xmlns:r="http://schemas.openxmlformats.org/officeDocument/2006/relationships" xmlns:p="http://schemas.openxmlformats.org/presentationml/2006/main">
+  <p:cSld>
+    <p:spTree>
+      <p:nvGrpSpPr>
+        <p:cNvPr id="1" name="">
+          <a:extLst>
+            <a:ext uri="{FF2B5EF4-FFF2-40B4-BE49-F238E27FC236}">
+              <a16:creationId xmlns:a16="http://schemas.microsoft.com/office/drawing/2014/main" id="{A242A749-C403-06A0-E54C-A8A11BE902A2}"/>
+            </a:ext>
+          </a:extLst>
+        </p:cNvPr>
+        <p:cNvGrpSpPr/>
+        <p:nvPr/>
+      </p:nvGrpSpPr>
+      <p:grpSpPr>
+        <a:xfrm>
+          <a:off x="0" y="0"/>
+          <a:ext cx="0" cy="0"/>
+          <a:chOff x="0" y="0"/>
+          <a:chExt cx="0" cy="0"/>
+        </a:xfrm>
+      </p:grpSpPr>
+    </p:spTree>
+    <p:extLst>
+      <p:ext uri="{BB962C8B-B14F-4D97-AF65-F5344CB8AC3E}">
+        <p14:creationId xmlns:p14="http://schemas.microsoft.com/office/powerpoint/2010/main" val="3558018058"/>
       </p:ext>
     </p:extLst>
   </p:cSld>

--- a/validation.pptx
+++ b/validation.pptx
@@ -4162,270 +4162,6 @@
           <a:chExt cx="0" cy="0"/>
         </a:xfrm>
       </p:grpSpPr>
-      <p:pic>
-        <p:nvPicPr>
-          <p:cNvPr id="4" name="그림 3">
-            <a:extLst>
-              <a:ext uri="{FF2B5EF4-FFF2-40B4-BE49-F238E27FC236}">
-                <a16:creationId xmlns:a16="http://schemas.microsoft.com/office/drawing/2014/main" id="{86AC5647-9798-8666-5C37-8EE4E7A31627}"/>
-              </a:ext>
-            </a:extLst>
-          </p:cNvPr>
-          <p:cNvPicPr>
-            <a:picLocks noChangeAspect="1"/>
-          </p:cNvPicPr>
-          <p:nvPr/>
-        </p:nvPicPr>
-        <p:blipFill>
-          <a:blip r:embed="rId2"/>
-          <a:stretch>
-            <a:fillRect/>
-          </a:stretch>
-        </p:blipFill>
-        <p:spPr>
-          <a:xfrm>
-            <a:off x="575787" y="1358439"/>
-            <a:ext cx="2476846" cy="409632"/>
-          </a:xfrm>
-          <a:prstGeom prst="rect">
-            <a:avLst/>
-          </a:prstGeom>
-        </p:spPr>
-      </p:pic>
-      <p:sp>
-        <p:nvSpPr>
-          <p:cNvPr id="6" name="TextBox 5">
-            <a:extLst>
-              <a:ext uri="{FF2B5EF4-FFF2-40B4-BE49-F238E27FC236}">
-                <a16:creationId xmlns:a16="http://schemas.microsoft.com/office/drawing/2014/main" id="{D76287AC-E2C6-465E-4375-60D3EBE1DF39}"/>
-              </a:ext>
-            </a:extLst>
-          </p:cNvPr>
-          <p:cNvSpPr txBox="1"/>
-          <p:nvPr/>
-        </p:nvSpPr>
-        <p:spPr>
-          <a:xfrm>
-            <a:off x="914400" y="886691"/>
-            <a:ext cx="1394691" cy="369332"/>
-          </a:xfrm>
-          <a:prstGeom prst="rect">
-            <a:avLst/>
-          </a:prstGeom>
-          <a:noFill/>
-        </p:spPr>
-        <p:txBody>
-          <a:bodyPr wrap="square" rtlCol="0">
-            <a:spAutoFit/>
-          </a:bodyPr>
-          <a:lstStyle/>
-          <a:p>
-            <a:r>
-              <a:rPr lang="en-US" altLang="ko-KR" dirty="0"/>
-              <a:t>EC</a:t>
-            </a:r>
-            <a:endParaRPr lang="ko-KR" altLang="en-US" dirty="0"/>
-          </a:p>
-        </p:txBody>
-      </p:sp>
-      <p:sp>
-        <p:nvSpPr>
-          <p:cNvPr id="9" name="TextBox 8">
-            <a:extLst>
-              <a:ext uri="{FF2B5EF4-FFF2-40B4-BE49-F238E27FC236}">
-                <a16:creationId xmlns:a16="http://schemas.microsoft.com/office/drawing/2014/main" id="{197674F6-686F-2B5F-563D-A92C5854FB34}"/>
-              </a:ext>
-            </a:extLst>
-          </p:cNvPr>
-          <p:cNvSpPr txBox="1"/>
-          <p:nvPr/>
-        </p:nvSpPr>
-        <p:spPr>
-          <a:xfrm>
-            <a:off x="3748633" y="886691"/>
-            <a:ext cx="1394691" cy="369332"/>
-          </a:xfrm>
-          <a:prstGeom prst="rect">
-            <a:avLst/>
-          </a:prstGeom>
-          <a:noFill/>
-        </p:spPr>
-        <p:txBody>
-          <a:bodyPr wrap="square" rtlCol="0">
-            <a:spAutoFit/>
-          </a:bodyPr>
-          <a:lstStyle/>
-          <a:p>
-            <a:r>
-              <a:rPr lang="en-US" altLang="ko-KR" dirty="0"/>
-              <a:t>EMC</a:t>
-            </a:r>
-            <a:endParaRPr lang="ko-KR" altLang="en-US" dirty="0"/>
-          </a:p>
-        </p:txBody>
-      </p:sp>
-      <p:sp>
-        <p:nvSpPr>
-          <p:cNvPr id="13" name="TextBox 12">
-            <a:extLst>
-              <a:ext uri="{FF2B5EF4-FFF2-40B4-BE49-F238E27FC236}">
-                <a16:creationId xmlns:a16="http://schemas.microsoft.com/office/drawing/2014/main" id="{468B0986-5624-67FA-7EE0-59C18AA63BD4}"/>
-              </a:ext>
-            </a:extLst>
-          </p:cNvPr>
-          <p:cNvSpPr txBox="1"/>
-          <p:nvPr/>
-        </p:nvSpPr>
-        <p:spPr>
-          <a:xfrm>
-            <a:off x="6622475" y="886691"/>
-            <a:ext cx="1394691" cy="369332"/>
-          </a:xfrm>
-          <a:prstGeom prst="rect">
-            <a:avLst/>
-          </a:prstGeom>
-          <a:noFill/>
-        </p:spPr>
-        <p:txBody>
-          <a:bodyPr wrap="square" rtlCol="0">
-            <a:spAutoFit/>
-          </a:bodyPr>
-          <a:lstStyle/>
-          <a:p>
-            <a:r>
-              <a:rPr lang="en-US" altLang="ko-KR" dirty="0"/>
-              <a:t>DMC</a:t>
-            </a:r>
-            <a:endParaRPr lang="ko-KR" altLang="en-US" dirty="0"/>
-          </a:p>
-        </p:txBody>
-      </p:sp>
-      <p:sp>
-        <p:nvSpPr>
-          <p:cNvPr id="15" name="TextBox 14">
-            <a:extLst>
-              <a:ext uri="{FF2B5EF4-FFF2-40B4-BE49-F238E27FC236}">
-                <a16:creationId xmlns:a16="http://schemas.microsoft.com/office/drawing/2014/main" id="{CF271B18-17E1-3C24-39D5-07F9622EFFB3}"/>
-              </a:ext>
-            </a:extLst>
-          </p:cNvPr>
-          <p:cNvSpPr txBox="1"/>
-          <p:nvPr/>
-        </p:nvSpPr>
-        <p:spPr>
-          <a:xfrm>
-            <a:off x="9494981" y="886691"/>
-            <a:ext cx="1394691" cy="369332"/>
-          </a:xfrm>
-          <a:prstGeom prst="rect">
-            <a:avLst/>
-          </a:prstGeom>
-          <a:noFill/>
-        </p:spPr>
-        <p:txBody>
-          <a:bodyPr wrap="square" rtlCol="0">
-            <a:spAutoFit/>
-          </a:bodyPr>
-          <a:lstStyle/>
-          <a:p>
-            <a:r>
-              <a:rPr lang="en-US" altLang="ko-KR" dirty="0"/>
-              <a:t>LiPO2F2</a:t>
-            </a:r>
-            <a:endParaRPr lang="ko-KR" altLang="en-US" dirty="0"/>
-          </a:p>
-        </p:txBody>
-      </p:sp>
-      <p:pic>
-        <p:nvPicPr>
-          <p:cNvPr id="17" name="그림 16">
-            <a:extLst>
-              <a:ext uri="{FF2B5EF4-FFF2-40B4-BE49-F238E27FC236}">
-                <a16:creationId xmlns:a16="http://schemas.microsoft.com/office/drawing/2014/main" id="{49226E37-79E7-0636-3330-9347D32A13AB}"/>
-              </a:ext>
-            </a:extLst>
-          </p:cNvPr>
-          <p:cNvPicPr>
-            <a:picLocks noChangeAspect="1"/>
-          </p:cNvPicPr>
-          <p:nvPr/>
-        </p:nvPicPr>
-        <p:blipFill>
-          <a:blip r:embed="rId3"/>
-          <a:stretch>
-            <a:fillRect/>
-          </a:stretch>
-        </p:blipFill>
-        <p:spPr>
-          <a:xfrm>
-            <a:off x="3748633" y="1358439"/>
-            <a:ext cx="2514951" cy="419158"/>
-          </a:xfrm>
-          <a:prstGeom prst="rect">
-            <a:avLst/>
-          </a:prstGeom>
-        </p:spPr>
-      </p:pic>
-      <p:pic>
-        <p:nvPicPr>
-          <p:cNvPr id="19" name="그림 18">
-            <a:extLst>
-              <a:ext uri="{FF2B5EF4-FFF2-40B4-BE49-F238E27FC236}">
-                <a16:creationId xmlns:a16="http://schemas.microsoft.com/office/drawing/2014/main" id="{274F985E-AF6F-47D9-7CFA-83692C8D07DB}"/>
-              </a:ext>
-            </a:extLst>
-          </p:cNvPr>
-          <p:cNvPicPr>
-            <a:picLocks noChangeAspect="1"/>
-          </p:cNvPicPr>
-          <p:nvPr/>
-        </p:nvPicPr>
-        <p:blipFill>
-          <a:blip r:embed="rId4"/>
-          <a:stretch>
-            <a:fillRect/>
-          </a:stretch>
-        </p:blipFill>
-        <p:spPr>
-          <a:xfrm>
-            <a:off x="6718269" y="1358439"/>
-            <a:ext cx="2505425" cy="428685"/>
-          </a:xfrm>
-          <a:prstGeom prst="rect">
-            <a:avLst/>
-          </a:prstGeom>
-        </p:spPr>
-      </p:pic>
-      <p:pic>
-        <p:nvPicPr>
-          <p:cNvPr id="21" name="그림 20">
-            <a:extLst>
-              <a:ext uri="{FF2B5EF4-FFF2-40B4-BE49-F238E27FC236}">
-                <a16:creationId xmlns:a16="http://schemas.microsoft.com/office/drawing/2014/main" id="{2A5C4551-883F-7D60-4D38-86C2E93E29D0}"/>
-              </a:ext>
-            </a:extLst>
-          </p:cNvPr>
-          <p:cNvPicPr>
-            <a:picLocks noChangeAspect="1"/>
-          </p:cNvPicPr>
-          <p:nvPr/>
-        </p:nvPicPr>
-        <p:blipFill>
-          <a:blip r:embed="rId5"/>
-          <a:stretch>
-            <a:fillRect/>
-          </a:stretch>
-        </p:blipFill>
-        <p:spPr>
-          <a:xfrm>
-            <a:off x="9374739" y="1348912"/>
-            <a:ext cx="2438740" cy="428685"/>
-          </a:xfrm>
-          <a:prstGeom prst="rect">
-            <a:avLst/>
-          </a:prstGeom>
-        </p:spPr>
-      </p:pic>
       <p:grpSp>
         <p:nvGrpSpPr>
           <p:cNvPr id="28" name="그룹 27">
@@ -4440,7 +4176,7 @@
         </p:nvGrpSpPr>
         <p:grpSpPr>
           <a:xfrm>
-            <a:off x="575787" y="2513489"/>
+            <a:off x="723569" y="4372687"/>
             <a:ext cx="7272813" cy="2365773"/>
             <a:chOff x="575787" y="2513489"/>
             <a:chExt cx="11056838" cy="3596678"/>
@@ -4461,7 +4197,7 @@
             <p:nvPr/>
           </p:nvPicPr>
           <p:blipFill>
-            <a:blip r:embed="rId6"/>
+            <a:blip r:embed="rId2"/>
             <a:stretch>
               <a:fillRect/>
             </a:stretch>
@@ -4491,7 +4227,7 @@
             <p:nvPr/>
           </p:nvPicPr>
           <p:blipFill>
-            <a:blip r:embed="rId7"/>
+            <a:blip r:embed="rId3"/>
             <a:stretch>
               <a:fillRect/>
             </a:stretch>
@@ -4507,129 +4243,973 @@
           </p:spPr>
         </p:pic>
       </p:grpSp>
-      <p:pic>
-        <p:nvPicPr>
-          <p:cNvPr id="27" name="그림 26">
-            <a:extLst>
-              <a:ext uri="{FF2B5EF4-FFF2-40B4-BE49-F238E27FC236}">
-                <a16:creationId xmlns:a16="http://schemas.microsoft.com/office/drawing/2014/main" id="{AB88C5D7-D9A4-4C82-9F1D-3C0A92BF9A60}"/>
-              </a:ext>
-            </a:extLst>
-          </p:cNvPr>
-          <p:cNvPicPr>
-            <a:picLocks noChangeAspect="1"/>
-          </p:cNvPicPr>
+      <p:grpSp>
+        <p:nvGrpSpPr>
+          <p:cNvPr id="7" name="그룹 6">
+            <a:extLst>
+              <a:ext uri="{FF2B5EF4-FFF2-40B4-BE49-F238E27FC236}">
+                <a16:creationId xmlns:a16="http://schemas.microsoft.com/office/drawing/2014/main" id="{9F07ED1F-E0C3-45C5-CBDA-0C36CF9BD82B}"/>
+              </a:ext>
+            </a:extLst>
+          </p:cNvPr>
+          <p:cNvGrpSpPr/>
           <p:nvPr/>
-        </p:nvPicPr>
-        <p:blipFill>
-          <a:blip r:embed="rId8"/>
-          <a:stretch>
-            <a:fillRect/>
-          </a:stretch>
-        </p:blipFill>
-        <p:spPr>
+        </p:nvGrpSpPr>
+        <p:grpSpPr>
           <a:xfrm>
-            <a:off x="4632960" y="4700037"/>
-            <a:ext cx="7104185" cy="1861025"/>
+            <a:off x="18764" y="0"/>
+            <a:ext cx="12173236" cy="900433"/>
+            <a:chOff x="18764" y="886691"/>
+            <a:chExt cx="12173236" cy="900433"/>
           </a:xfrm>
-          <a:prstGeom prst="rect">
-            <a:avLst/>
-          </a:prstGeom>
-        </p:spPr>
-      </p:pic>
-      <p:pic>
-        <p:nvPicPr>
-          <p:cNvPr id="29" name="그림 28">
-            <a:extLst>
-              <a:ext uri="{FF2B5EF4-FFF2-40B4-BE49-F238E27FC236}">
-                <a16:creationId xmlns:a16="http://schemas.microsoft.com/office/drawing/2014/main" id="{C45082D5-3CA4-F56A-413F-97615BD947E4}"/>
-              </a:ext>
-            </a:extLst>
-          </p:cNvPr>
-          <p:cNvPicPr>
-            <a:picLocks noChangeAspect="1"/>
-          </p:cNvPicPr>
-          <p:nvPr/>
-        </p:nvPicPr>
-        <p:blipFill>
-          <a:blip r:embed="rId8"/>
-          <a:srcRect t="37313" b="46309"/>
-          <a:stretch>
-            <a:fillRect/>
-          </a:stretch>
-        </p:blipFill>
-        <p:spPr>
-          <a:xfrm>
-            <a:off x="4632960" y="5748467"/>
-            <a:ext cx="7104185" cy="304800"/>
-          </a:xfrm>
-          <a:prstGeom prst="rect">
-            <a:avLst/>
-          </a:prstGeom>
-        </p:spPr>
-      </p:pic>
-      <p:pic>
-        <p:nvPicPr>
-          <p:cNvPr id="30" name="그림 29">
-            <a:extLst>
-              <a:ext uri="{FF2B5EF4-FFF2-40B4-BE49-F238E27FC236}">
-                <a16:creationId xmlns:a16="http://schemas.microsoft.com/office/drawing/2014/main" id="{78B1D352-9836-9A07-B793-DE20F66B40B8}"/>
-              </a:ext>
-            </a:extLst>
-          </p:cNvPr>
-          <p:cNvPicPr>
-            <a:picLocks noChangeAspect="1"/>
-          </p:cNvPicPr>
-          <p:nvPr/>
-        </p:nvPicPr>
-        <p:blipFill>
-          <a:blip r:embed="rId8"/>
-          <a:srcRect t="18834" b="64788"/>
-          <a:stretch>
-            <a:fillRect/>
-          </a:stretch>
-        </p:blipFill>
-        <p:spPr>
-          <a:xfrm>
-            <a:off x="4632960" y="5061643"/>
-            <a:ext cx="7104185" cy="304800"/>
-          </a:xfrm>
-          <a:prstGeom prst="rect">
-            <a:avLst/>
-          </a:prstGeom>
-        </p:spPr>
-      </p:pic>
-      <p:pic>
-        <p:nvPicPr>
-          <p:cNvPr id="31" name="그림 30">
-            <a:extLst>
-              <a:ext uri="{FF2B5EF4-FFF2-40B4-BE49-F238E27FC236}">
-                <a16:creationId xmlns:a16="http://schemas.microsoft.com/office/drawing/2014/main" id="{A7F7D29B-0ED2-A2BB-6200-2B99FBD612AD}"/>
-              </a:ext>
-            </a:extLst>
-          </p:cNvPr>
-          <p:cNvPicPr>
-            <a:picLocks noChangeAspect="1"/>
-          </p:cNvPicPr>
-          <p:nvPr/>
-        </p:nvPicPr>
-        <p:blipFill>
-          <a:blip r:embed="rId8"/>
-          <a:srcRect t="54543" b="29201"/>
-          <a:stretch>
-            <a:fillRect/>
-          </a:stretch>
-        </p:blipFill>
-        <p:spPr>
-          <a:xfrm>
-            <a:off x="4632960" y="5407159"/>
-            <a:ext cx="7104185" cy="302533"/>
-          </a:xfrm>
-          <a:prstGeom prst="rect">
-            <a:avLst/>
-          </a:prstGeom>
-        </p:spPr>
-      </p:pic>
+        </p:grpSpPr>
+        <p:pic>
+          <p:nvPicPr>
+            <p:cNvPr id="4" name="그림 3">
+              <a:extLst>
+                <a:ext uri="{FF2B5EF4-FFF2-40B4-BE49-F238E27FC236}">
+                  <a16:creationId xmlns:a16="http://schemas.microsoft.com/office/drawing/2014/main" id="{86AC5647-9798-8666-5C37-8EE4E7A31627}"/>
+                </a:ext>
+              </a:extLst>
+            </p:cNvPr>
+            <p:cNvPicPr>
+              <a:picLocks noChangeAspect="1"/>
+            </p:cNvPicPr>
+            <p:nvPr/>
+          </p:nvPicPr>
+          <p:blipFill>
+            <a:blip r:embed="rId4"/>
+            <a:stretch>
+              <a:fillRect/>
+            </a:stretch>
+          </p:blipFill>
+          <p:spPr>
+            <a:xfrm>
+              <a:off x="18764" y="1358439"/>
+              <a:ext cx="2476846" cy="409632"/>
+            </a:xfrm>
+            <a:prstGeom prst="rect">
+              <a:avLst/>
+            </a:prstGeom>
+          </p:spPr>
+        </p:pic>
+        <p:sp>
+          <p:nvSpPr>
+            <p:cNvPr id="6" name="TextBox 5">
+              <a:extLst>
+                <a:ext uri="{FF2B5EF4-FFF2-40B4-BE49-F238E27FC236}">
+                  <a16:creationId xmlns:a16="http://schemas.microsoft.com/office/drawing/2014/main" id="{D76287AC-E2C6-465E-4375-60D3EBE1DF39}"/>
+                </a:ext>
+              </a:extLst>
+            </p:cNvPr>
+            <p:cNvSpPr txBox="1"/>
+            <p:nvPr/>
+          </p:nvSpPr>
+          <p:spPr>
+            <a:xfrm>
+              <a:off x="357377" y="886691"/>
+              <a:ext cx="1394691" cy="369332"/>
+            </a:xfrm>
+            <a:prstGeom prst="rect">
+              <a:avLst/>
+            </a:prstGeom>
+            <a:noFill/>
+          </p:spPr>
+          <p:txBody>
+            <a:bodyPr wrap="square" rtlCol="0">
+              <a:spAutoFit/>
+            </a:bodyPr>
+            <a:lstStyle/>
+            <a:p>
+              <a:r>
+                <a:rPr lang="en-US" altLang="ko-KR" dirty="0"/>
+                <a:t>EC</a:t>
+              </a:r>
+              <a:endParaRPr lang="ko-KR" altLang="en-US" dirty="0"/>
+            </a:p>
+          </p:txBody>
+        </p:sp>
+        <p:sp>
+          <p:nvSpPr>
+            <p:cNvPr id="9" name="TextBox 8">
+              <a:extLst>
+                <a:ext uri="{FF2B5EF4-FFF2-40B4-BE49-F238E27FC236}">
+                  <a16:creationId xmlns:a16="http://schemas.microsoft.com/office/drawing/2014/main" id="{197674F6-686F-2B5F-563D-A92C5854FB34}"/>
+                </a:ext>
+              </a:extLst>
+            </p:cNvPr>
+            <p:cNvSpPr txBox="1"/>
+            <p:nvPr/>
+          </p:nvSpPr>
+          <p:spPr>
+            <a:xfrm>
+              <a:off x="2495610" y="886691"/>
+              <a:ext cx="1394691" cy="369332"/>
+            </a:xfrm>
+            <a:prstGeom prst="rect">
+              <a:avLst/>
+            </a:prstGeom>
+            <a:noFill/>
+          </p:spPr>
+          <p:txBody>
+            <a:bodyPr wrap="square" rtlCol="0">
+              <a:spAutoFit/>
+            </a:bodyPr>
+            <a:lstStyle/>
+            <a:p>
+              <a:r>
+                <a:rPr lang="en-US" altLang="ko-KR" dirty="0"/>
+                <a:t>EMC</a:t>
+              </a:r>
+              <a:endParaRPr lang="ko-KR" altLang="en-US" dirty="0"/>
+            </a:p>
+          </p:txBody>
+        </p:sp>
+        <p:sp>
+          <p:nvSpPr>
+            <p:cNvPr id="13" name="TextBox 12">
+              <a:extLst>
+                <a:ext uri="{FF2B5EF4-FFF2-40B4-BE49-F238E27FC236}">
+                  <a16:creationId xmlns:a16="http://schemas.microsoft.com/office/drawing/2014/main" id="{468B0986-5624-67FA-7EE0-59C18AA63BD4}"/>
+                </a:ext>
+              </a:extLst>
+            </p:cNvPr>
+            <p:cNvSpPr txBox="1"/>
+            <p:nvPr/>
+          </p:nvSpPr>
+          <p:spPr>
+            <a:xfrm>
+              <a:off x="4914767" y="886691"/>
+              <a:ext cx="1394691" cy="369332"/>
+            </a:xfrm>
+            <a:prstGeom prst="rect">
+              <a:avLst/>
+            </a:prstGeom>
+            <a:noFill/>
+          </p:spPr>
+          <p:txBody>
+            <a:bodyPr wrap="square" rtlCol="0">
+              <a:spAutoFit/>
+            </a:bodyPr>
+            <a:lstStyle/>
+            <a:p>
+              <a:r>
+                <a:rPr lang="en-US" altLang="ko-KR" dirty="0"/>
+                <a:t>DMC</a:t>
+              </a:r>
+              <a:endParaRPr lang="ko-KR" altLang="en-US" dirty="0"/>
+            </a:p>
+          </p:txBody>
+        </p:sp>
+        <p:sp>
+          <p:nvSpPr>
+            <p:cNvPr id="15" name="TextBox 14">
+              <a:extLst>
+                <a:ext uri="{FF2B5EF4-FFF2-40B4-BE49-F238E27FC236}">
+                  <a16:creationId xmlns:a16="http://schemas.microsoft.com/office/drawing/2014/main" id="{CF271B18-17E1-3C24-39D5-07F9622EFFB3}"/>
+                </a:ext>
+              </a:extLst>
+            </p:cNvPr>
+            <p:cNvSpPr txBox="1"/>
+            <p:nvPr/>
+          </p:nvSpPr>
+          <p:spPr>
+            <a:xfrm>
+              <a:off x="7607649" y="886691"/>
+              <a:ext cx="1394691" cy="369332"/>
+            </a:xfrm>
+            <a:prstGeom prst="rect">
+              <a:avLst/>
+            </a:prstGeom>
+            <a:noFill/>
+          </p:spPr>
+          <p:txBody>
+            <a:bodyPr wrap="square" rtlCol="0">
+              <a:spAutoFit/>
+            </a:bodyPr>
+            <a:lstStyle/>
+            <a:p>
+              <a:r>
+                <a:rPr lang="en-US" altLang="ko-KR" dirty="0"/>
+                <a:t>LiPO2F2</a:t>
+              </a:r>
+              <a:endParaRPr lang="ko-KR" altLang="en-US" dirty="0"/>
+            </a:p>
+          </p:txBody>
+        </p:sp>
+        <p:pic>
+          <p:nvPicPr>
+            <p:cNvPr id="17" name="그림 16">
+              <a:extLst>
+                <a:ext uri="{FF2B5EF4-FFF2-40B4-BE49-F238E27FC236}">
+                  <a16:creationId xmlns:a16="http://schemas.microsoft.com/office/drawing/2014/main" id="{49226E37-79E7-0636-3330-9347D32A13AB}"/>
+                </a:ext>
+              </a:extLst>
+            </p:cNvPr>
+            <p:cNvPicPr>
+              <a:picLocks noChangeAspect="1"/>
+            </p:cNvPicPr>
+            <p:nvPr/>
+          </p:nvPicPr>
+          <p:blipFill>
+            <a:blip r:embed="rId5"/>
+            <a:stretch>
+              <a:fillRect/>
+            </a:stretch>
+          </p:blipFill>
+          <p:spPr>
+            <a:xfrm>
+              <a:off x="2495610" y="1358439"/>
+              <a:ext cx="2514951" cy="419158"/>
+            </a:xfrm>
+            <a:prstGeom prst="rect">
+              <a:avLst/>
+            </a:prstGeom>
+          </p:spPr>
+        </p:pic>
+        <p:pic>
+          <p:nvPicPr>
+            <p:cNvPr id="19" name="그림 18">
+              <a:extLst>
+                <a:ext uri="{FF2B5EF4-FFF2-40B4-BE49-F238E27FC236}">
+                  <a16:creationId xmlns:a16="http://schemas.microsoft.com/office/drawing/2014/main" id="{274F985E-AF6F-47D9-7CFA-83692C8D07DB}"/>
+                </a:ext>
+              </a:extLst>
+            </p:cNvPr>
+            <p:cNvPicPr>
+              <a:picLocks noChangeAspect="1"/>
+            </p:cNvPicPr>
+            <p:nvPr/>
+          </p:nvPicPr>
+          <p:blipFill>
+            <a:blip r:embed="rId6"/>
+            <a:stretch>
+              <a:fillRect/>
+            </a:stretch>
+          </p:blipFill>
+          <p:spPr>
+            <a:xfrm>
+              <a:off x="5010561" y="1358439"/>
+              <a:ext cx="2505425" cy="428685"/>
+            </a:xfrm>
+            <a:prstGeom prst="rect">
+              <a:avLst/>
+            </a:prstGeom>
+          </p:spPr>
+        </p:pic>
+        <p:pic>
+          <p:nvPicPr>
+            <p:cNvPr id="21" name="그림 20">
+              <a:extLst>
+                <a:ext uri="{FF2B5EF4-FFF2-40B4-BE49-F238E27FC236}">
+                  <a16:creationId xmlns:a16="http://schemas.microsoft.com/office/drawing/2014/main" id="{2A5C4551-883F-7D60-4D38-86C2E93E29D0}"/>
+                </a:ext>
+              </a:extLst>
+            </p:cNvPr>
+            <p:cNvPicPr>
+              <a:picLocks noChangeAspect="1"/>
+            </p:cNvPicPr>
+            <p:nvPr/>
+          </p:nvPicPr>
+          <p:blipFill>
+            <a:blip r:embed="rId7"/>
+            <a:stretch>
+              <a:fillRect/>
+            </a:stretch>
+          </p:blipFill>
+          <p:spPr>
+            <a:xfrm>
+              <a:off x="7487407" y="1348912"/>
+              <a:ext cx="2438740" cy="428685"/>
+            </a:xfrm>
+            <a:prstGeom prst="rect">
+              <a:avLst/>
+            </a:prstGeom>
+          </p:spPr>
+        </p:pic>
+        <p:pic>
+          <p:nvPicPr>
+            <p:cNvPr id="3" name="그림 2">
+              <a:extLst>
+                <a:ext uri="{FF2B5EF4-FFF2-40B4-BE49-F238E27FC236}">
+                  <a16:creationId xmlns:a16="http://schemas.microsoft.com/office/drawing/2014/main" id="{29396EDD-AA3D-9E9F-B238-CF9EA6958C70}"/>
+                </a:ext>
+              </a:extLst>
+            </p:cNvPr>
+            <p:cNvPicPr>
+              <a:picLocks noChangeAspect="1"/>
+            </p:cNvPicPr>
+            <p:nvPr/>
+          </p:nvPicPr>
+          <p:blipFill>
+            <a:blip r:embed="rId8"/>
+            <a:stretch>
+              <a:fillRect/>
+            </a:stretch>
+          </p:blipFill>
+          <p:spPr>
+            <a:xfrm>
+              <a:off x="9743733" y="1348912"/>
+              <a:ext cx="2448267" cy="400106"/>
+            </a:xfrm>
+            <a:prstGeom prst="rect">
+              <a:avLst/>
+            </a:prstGeom>
+          </p:spPr>
+        </p:pic>
+        <p:sp>
+          <p:nvSpPr>
+            <p:cNvPr id="5" name="TextBox 4">
+              <a:extLst>
+                <a:ext uri="{FF2B5EF4-FFF2-40B4-BE49-F238E27FC236}">
+                  <a16:creationId xmlns:a16="http://schemas.microsoft.com/office/drawing/2014/main" id="{87E84951-279E-1D47-2098-21171310DA5B}"/>
+                </a:ext>
+              </a:extLst>
+            </p:cNvPr>
+            <p:cNvSpPr txBox="1"/>
+            <p:nvPr/>
+          </p:nvSpPr>
+          <p:spPr>
+            <a:xfrm>
+              <a:off x="9743733" y="886691"/>
+              <a:ext cx="1394691" cy="369332"/>
+            </a:xfrm>
+            <a:prstGeom prst="rect">
+              <a:avLst/>
+            </a:prstGeom>
+            <a:noFill/>
+          </p:spPr>
+          <p:txBody>
+            <a:bodyPr wrap="square" rtlCol="0">
+              <a:spAutoFit/>
+            </a:bodyPr>
+            <a:lstStyle/>
+            <a:p>
+              <a:r>
+                <a:rPr lang="en-US" altLang="ko-KR" dirty="0"/>
+                <a:t>DVS</a:t>
+              </a:r>
+              <a:endParaRPr lang="ko-KR" altLang="en-US" dirty="0"/>
+            </a:p>
+          </p:txBody>
+        </p:sp>
+      </p:grpSp>
+      <p:graphicFrame>
+        <p:nvGraphicFramePr>
+          <p:cNvPr id="8" name="표 7">
+            <a:extLst>
+              <a:ext uri="{FF2B5EF4-FFF2-40B4-BE49-F238E27FC236}">
+                <a16:creationId xmlns:a16="http://schemas.microsoft.com/office/drawing/2014/main" id="{22B1A0C1-AD6A-E496-AD2E-72D51FF1BC8A}"/>
+              </a:ext>
+            </a:extLst>
+          </p:cNvPr>
+          <p:cNvGraphicFramePr>
+            <a:graphicFrameLocks noGrp="1"/>
+          </p:cNvGraphicFramePr>
+          <p:nvPr>
+            <p:extLst>
+              <p:ext uri="{D42A27DB-BD31-4B8C-83A1-F6EECF244321}">
+                <p14:modId xmlns:p14="http://schemas.microsoft.com/office/powerpoint/2010/main" val="1882514699"/>
+              </p:ext>
+            </p:extLst>
+          </p:nvPr>
+        </p:nvGraphicFramePr>
+        <p:xfrm>
+          <a:off x="578777" y="1338619"/>
+          <a:ext cx="8128000" cy="2626321"/>
+        </p:xfrm>
+        <a:graphic>
+          <a:graphicData uri="http://schemas.openxmlformats.org/drawingml/2006/table">
+            <a:tbl>
+              <a:tblPr firstRow="1" bandRow="1">
+                <a:tableStyleId>{5C22544A-7EE6-4342-B048-85BDC9FD1C3A}</a:tableStyleId>
+              </a:tblPr>
+              <a:tblGrid>
+                <a:gridCol w="1625600">
+                  <a:extLst>
+                    <a:ext uri="{9D8B030D-6E8A-4147-A177-3AD203B41FA5}">
+                      <a16:colId xmlns:a16="http://schemas.microsoft.com/office/drawing/2014/main" val="2507937247"/>
+                    </a:ext>
+                  </a:extLst>
+                </a:gridCol>
+                <a:gridCol w="1625600">
+                  <a:extLst>
+                    <a:ext uri="{9D8B030D-6E8A-4147-A177-3AD203B41FA5}">
+                      <a16:colId xmlns:a16="http://schemas.microsoft.com/office/drawing/2014/main" val="1320409620"/>
+                    </a:ext>
+                  </a:extLst>
+                </a:gridCol>
+                <a:gridCol w="1625600">
+                  <a:extLst>
+                    <a:ext uri="{9D8B030D-6E8A-4147-A177-3AD203B41FA5}">
+                      <a16:colId xmlns:a16="http://schemas.microsoft.com/office/drawing/2014/main" val="4266735419"/>
+                    </a:ext>
+                  </a:extLst>
+                </a:gridCol>
+                <a:gridCol w="1625600">
+                  <a:extLst>
+                    <a:ext uri="{9D8B030D-6E8A-4147-A177-3AD203B41FA5}">
+                      <a16:colId xmlns:a16="http://schemas.microsoft.com/office/drawing/2014/main" val="2213658596"/>
+                    </a:ext>
+                  </a:extLst>
+                </a:gridCol>
+                <a:gridCol w="1625600">
+                  <a:extLst>
+                    <a:ext uri="{9D8B030D-6E8A-4147-A177-3AD203B41FA5}">
+                      <a16:colId xmlns:a16="http://schemas.microsoft.com/office/drawing/2014/main" val="949004738"/>
+                    </a:ext>
+                  </a:extLst>
+                </a:gridCol>
+              </a:tblGrid>
+              <a:tr h="370840">
+                <a:tc>
+                  <a:txBody>
+                    <a:bodyPr/>
+                    <a:lstStyle/>
+                    <a:p>
+                      <a:pPr latinLnBrk="1"/>
+                      <a:endParaRPr lang="ko-KR" altLang="en-US"/>
+                    </a:p>
+                  </a:txBody>
+                  <a:tcPr/>
+                </a:tc>
+                <a:tc>
+                  <a:txBody>
+                    <a:bodyPr/>
+                    <a:lstStyle/>
+                    <a:p>
+                      <a:pPr latinLnBrk="1"/>
+                      <a:r>
+                        <a:rPr lang="en-US" altLang="ko-KR" dirty="0"/>
+                        <a:t>LUMO</a:t>
+                      </a:r>
+                      <a:endParaRPr lang="ko-KR" altLang="en-US" dirty="0"/>
+                    </a:p>
+                  </a:txBody>
+                  <a:tcPr/>
+                </a:tc>
+                <a:tc>
+                  <a:txBody>
+                    <a:bodyPr/>
+                    <a:lstStyle/>
+                    <a:p>
+                      <a:pPr latinLnBrk="1"/>
+                      <a:r>
+                        <a:rPr lang="en-US" altLang="ko-KR" dirty="0"/>
+                        <a:t>HOMO</a:t>
+                      </a:r>
+                      <a:endParaRPr lang="ko-KR" altLang="en-US" dirty="0"/>
+                    </a:p>
+                  </a:txBody>
+                  <a:tcPr/>
+                </a:tc>
+                <a:tc>
+                  <a:txBody>
+                    <a:bodyPr/>
+                    <a:lstStyle/>
+                    <a:p>
+                      <a:pPr latinLnBrk="1"/>
+                      <a:r>
+                        <a:rPr lang="en-US" altLang="ko-KR" dirty="0"/>
+                        <a:t>LUMO</a:t>
+                      </a:r>
+                      <a:endParaRPr lang="ko-KR" altLang="en-US" dirty="0"/>
+                    </a:p>
+                  </a:txBody>
+                  <a:tcPr/>
+                </a:tc>
+                <a:tc>
+                  <a:txBody>
+                    <a:bodyPr/>
+                    <a:lstStyle/>
+                    <a:p>
+                      <a:pPr latinLnBrk="1"/>
+                      <a:r>
+                        <a:rPr lang="en-US" altLang="ko-KR" dirty="0"/>
+                        <a:t>HOMO</a:t>
+                      </a:r>
+                      <a:endParaRPr lang="ko-KR" altLang="en-US" dirty="0"/>
+                    </a:p>
+                  </a:txBody>
+                  <a:tcPr/>
+                </a:tc>
+                <a:extLst>
+                  <a:ext uri="{0D108BD9-81ED-4DB2-BD59-A6C34878D82A}">
+                    <a16:rowId xmlns:a16="http://schemas.microsoft.com/office/drawing/2014/main" val="1601779524"/>
+                  </a:ext>
+                </a:extLst>
+              </a:tr>
+              <a:tr h="370840">
+                <a:tc>
+                  <a:txBody>
+                    <a:bodyPr/>
+                    <a:lstStyle/>
+                    <a:p>
+                      <a:pPr latinLnBrk="1"/>
+                      <a:r>
+                        <a:rPr lang="en-US" altLang="ko-KR" dirty="0"/>
+                        <a:t>EC</a:t>
+                      </a:r>
+                      <a:endParaRPr lang="ko-KR" altLang="en-US" dirty="0"/>
+                    </a:p>
+                  </a:txBody>
+                  <a:tcPr/>
+                </a:tc>
+                <a:tc>
+                  <a:txBody>
+                    <a:bodyPr/>
+                    <a:lstStyle/>
+                    <a:p>
+                      <a:pPr latinLnBrk="1"/>
+                      <a:r>
+                        <a:rPr lang="en-US" altLang="ko-KR" dirty="0"/>
+                        <a:t>-0.0195</a:t>
+                      </a:r>
+                      <a:endParaRPr lang="ko-KR" altLang="en-US" dirty="0"/>
+                    </a:p>
+                  </a:txBody>
+                  <a:tcPr/>
+                </a:tc>
+                <a:tc>
+                  <a:txBody>
+                    <a:bodyPr/>
+                    <a:lstStyle/>
+                    <a:p>
+                      <a:pPr latinLnBrk="1"/>
+                      <a:r>
+                        <a:rPr lang="en-US" altLang="ko-KR" dirty="0"/>
+                        <a:t>-0.3076</a:t>
+                      </a:r>
+                      <a:endParaRPr lang="ko-KR" altLang="en-US" dirty="0"/>
+                    </a:p>
+                  </a:txBody>
+                  <a:tcPr/>
+                </a:tc>
+                <a:tc>
+                  <a:txBody>
+                    <a:bodyPr/>
+                    <a:lstStyle/>
+                    <a:p>
+                      <a:pPr latinLnBrk="1"/>
+                      <a:endParaRPr lang="ko-KR" altLang="en-US" dirty="0"/>
+                    </a:p>
+                  </a:txBody>
+                  <a:tcPr/>
+                </a:tc>
+                <a:tc>
+                  <a:txBody>
+                    <a:bodyPr/>
+                    <a:lstStyle/>
+                    <a:p>
+                      <a:pPr latinLnBrk="1"/>
+                      <a:endParaRPr lang="ko-KR" altLang="en-US"/>
+                    </a:p>
+                  </a:txBody>
+                  <a:tcPr/>
+                </a:tc>
+                <a:extLst>
+                  <a:ext uri="{0D108BD9-81ED-4DB2-BD59-A6C34878D82A}">
+                    <a16:rowId xmlns:a16="http://schemas.microsoft.com/office/drawing/2014/main" val="2581624858"/>
+                  </a:ext>
+                </a:extLst>
+              </a:tr>
+              <a:tr h="370840">
+                <a:tc>
+                  <a:txBody>
+                    <a:bodyPr/>
+                    <a:lstStyle/>
+                    <a:p>
+                      <a:pPr latinLnBrk="1"/>
+                      <a:r>
+                        <a:rPr lang="en-US" altLang="ko-KR" dirty="0"/>
+                        <a:t>DMC</a:t>
+                      </a:r>
+                    </a:p>
+                  </a:txBody>
+                  <a:tcPr/>
+                </a:tc>
+                <a:tc>
+                  <a:txBody>
+                    <a:bodyPr/>
+                    <a:lstStyle/>
+                    <a:p>
+                      <a:pPr latinLnBrk="1"/>
+                      <a:r>
+                        <a:rPr lang="en-US" altLang="ko-KR" dirty="0"/>
+                        <a:t>-0.0065</a:t>
+                      </a:r>
+                      <a:endParaRPr lang="ko-KR" altLang="en-US" dirty="0"/>
+                    </a:p>
+                  </a:txBody>
+                  <a:tcPr/>
+                </a:tc>
+                <a:tc>
+                  <a:txBody>
+                    <a:bodyPr/>
+                    <a:lstStyle/>
+                    <a:p>
+                      <a:pPr latinLnBrk="1"/>
+                      <a:r>
+                        <a:rPr lang="en-US" altLang="ko-KR" dirty="0"/>
+                        <a:t>-0.2956</a:t>
+                      </a:r>
+                      <a:endParaRPr lang="ko-KR" altLang="en-US" dirty="0"/>
+                    </a:p>
+                  </a:txBody>
+                  <a:tcPr/>
+                </a:tc>
+                <a:tc>
+                  <a:txBody>
+                    <a:bodyPr/>
+                    <a:lstStyle/>
+                    <a:p>
+                      <a:pPr latinLnBrk="1"/>
+                      <a:endParaRPr lang="ko-KR" altLang="en-US"/>
+                    </a:p>
+                  </a:txBody>
+                  <a:tcPr/>
+                </a:tc>
+                <a:tc>
+                  <a:txBody>
+                    <a:bodyPr/>
+                    <a:lstStyle/>
+                    <a:p>
+                      <a:pPr latinLnBrk="1"/>
+                      <a:endParaRPr lang="ko-KR" altLang="en-US"/>
+                    </a:p>
+                  </a:txBody>
+                  <a:tcPr/>
+                </a:tc>
+                <a:extLst>
+                  <a:ext uri="{0D108BD9-81ED-4DB2-BD59-A6C34878D82A}">
+                    <a16:rowId xmlns:a16="http://schemas.microsoft.com/office/drawing/2014/main" val="820217055"/>
+                  </a:ext>
+                </a:extLst>
+              </a:tr>
+              <a:tr h="370840">
+                <a:tc>
+                  <a:txBody>
+                    <a:bodyPr/>
+                    <a:lstStyle/>
+                    <a:p>
+                      <a:pPr latinLnBrk="1"/>
+                      <a:r>
+                        <a:rPr lang="en-US" altLang="ko-KR" dirty="0"/>
+                        <a:t>EMC</a:t>
+                      </a:r>
+                      <a:endParaRPr lang="ko-KR" altLang="en-US" dirty="0"/>
+                    </a:p>
+                  </a:txBody>
+                  <a:tcPr/>
+                </a:tc>
+                <a:tc>
+                  <a:txBody>
+                    <a:bodyPr/>
+                    <a:lstStyle/>
+                    <a:p>
+                      <a:pPr marL="0" marR="0" lvl="0" indent="0" algn="l" defTabSz="914400" rtl="0" eaLnBrk="1" fontAlgn="auto" latinLnBrk="1" hangingPunct="1">
+                        <a:lnSpc>
+                          <a:spcPct val="100000"/>
+                        </a:lnSpc>
+                        <a:spcBef>
+                          <a:spcPts val="0"/>
+                        </a:spcBef>
+                        <a:spcAft>
+                          <a:spcPts val="0"/>
+                        </a:spcAft>
+                        <a:buClrTx/>
+                        <a:buSzTx/>
+                        <a:buFontTx/>
+                        <a:buNone/>
+                        <a:tabLst/>
+                        <a:defRPr/>
+                      </a:pPr>
+                      <a:r>
+                        <a:rPr lang="en-US" altLang="ko-KR" dirty="0"/>
+                        <a:t>-0.0057</a:t>
+                      </a:r>
+                      <a:endParaRPr lang="ko-KR" altLang="en-US" dirty="0"/>
+                    </a:p>
+                  </a:txBody>
+                  <a:tcPr/>
+                </a:tc>
+                <a:tc>
+                  <a:txBody>
+                    <a:bodyPr/>
+                    <a:lstStyle/>
+                    <a:p>
+                      <a:pPr marL="0" marR="0" lvl="0" indent="0" algn="l" defTabSz="914400" rtl="0" eaLnBrk="1" fontAlgn="auto" latinLnBrk="1" hangingPunct="1">
+                        <a:lnSpc>
+                          <a:spcPct val="100000"/>
+                        </a:lnSpc>
+                        <a:spcBef>
+                          <a:spcPts val="0"/>
+                        </a:spcBef>
+                        <a:spcAft>
+                          <a:spcPts val="0"/>
+                        </a:spcAft>
+                        <a:buClrTx/>
+                        <a:buSzTx/>
+                        <a:buFontTx/>
+                        <a:buNone/>
+                        <a:tabLst/>
+                        <a:defRPr/>
+                      </a:pPr>
+                      <a:r>
+                        <a:rPr lang="en-US" altLang="ko-KR" dirty="0"/>
+                        <a:t>-0.2987</a:t>
+                      </a:r>
+                      <a:endParaRPr lang="ko-KR" altLang="en-US" dirty="0"/>
+                    </a:p>
+                  </a:txBody>
+                  <a:tcPr/>
+                </a:tc>
+                <a:tc>
+                  <a:txBody>
+                    <a:bodyPr/>
+                    <a:lstStyle/>
+                    <a:p>
+                      <a:pPr latinLnBrk="1"/>
+                      <a:endParaRPr lang="ko-KR" altLang="en-US" dirty="0"/>
+                    </a:p>
+                  </a:txBody>
+                  <a:tcPr/>
+                </a:tc>
+                <a:tc>
+                  <a:txBody>
+                    <a:bodyPr/>
+                    <a:lstStyle/>
+                    <a:p>
+                      <a:pPr latinLnBrk="1"/>
+                      <a:endParaRPr lang="ko-KR" altLang="en-US"/>
+                    </a:p>
+                  </a:txBody>
+                  <a:tcPr/>
+                </a:tc>
+                <a:extLst>
+                  <a:ext uri="{0D108BD9-81ED-4DB2-BD59-A6C34878D82A}">
+                    <a16:rowId xmlns:a16="http://schemas.microsoft.com/office/drawing/2014/main" val="3877045289"/>
+                  </a:ext>
+                </a:extLst>
+              </a:tr>
+              <a:tr h="401281">
+                <a:tc>
+                  <a:txBody>
+                    <a:bodyPr/>
+                    <a:lstStyle/>
+                    <a:p>
+                      <a:pPr latinLnBrk="1"/>
+                      <a:r>
+                        <a:rPr lang="en-US" altLang="ko-KR" dirty="0"/>
+                        <a:t>LiPF6</a:t>
+                      </a:r>
+                      <a:endParaRPr lang="ko-KR" altLang="en-US" dirty="0"/>
+                    </a:p>
+                  </a:txBody>
+                  <a:tcPr/>
+                </a:tc>
+                <a:tc>
+                  <a:txBody>
+                    <a:bodyPr/>
+                    <a:lstStyle/>
+                    <a:p>
+                      <a:pPr latinLnBrk="1"/>
+                      <a:endParaRPr lang="ko-KR" altLang="en-US" dirty="0"/>
+                    </a:p>
+                  </a:txBody>
+                  <a:tcPr/>
+                </a:tc>
+                <a:tc>
+                  <a:txBody>
+                    <a:bodyPr/>
+                    <a:lstStyle/>
+                    <a:p>
+                      <a:pPr latinLnBrk="1"/>
+                      <a:endParaRPr lang="ko-KR" altLang="en-US" dirty="0"/>
+                    </a:p>
+                  </a:txBody>
+                  <a:tcPr/>
+                </a:tc>
+                <a:tc>
+                  <a:txBody>
+                    <a:bodyPr/>
+                    <a:lstStyle/>
+                    <a:p>
+                      <a:pPr latinLnBrk="1"/>
+                      <a:endParaRPr lang="ko-KR" altLang="en-US"/>
+                    </a:p>
+                  </a:txBody>
+                  <a:tcPr/>
+                </a:tc>
+                <a:tc>
+                  <a:txBody>
+                    <a:bodyPr/>
+                    <a:lstStyle/>
+                    <a:p>
+                      <a:pPr latinLnBrk="1"/>
+                      <a:endParaRPr lang="ko-KR" altLang="en-US"/>
+                    </a:p>
+                  </a:txBody>
+                  <a:tcPr/>
+                </a:tc>
+                <a:extLst>
+                  <a:ext uri="{0D108BD9-81ED-4DB2-BD59-A6C34878D82A}">
+                    <a16:rowId xmlns:a16="http://schemas.microsoft.com/office/drawing/2014/main" val="2712328242"/>
+                  </a:ext>
+                </a:extLst>
+              </a:tr>
+              <a:tr h="370840">
+                <a:tc>
+                  <a:txBody>
+                    <a:bodyPr/>
+                    <a:lstStyle/>
+                    <a:p>
+                      <a:pPr latinLnBrk="1"/>
+                      <a:r>
+                        <a:rPr lang="en-US" altLang="ko-KR" dirty="0"/>
+                        <a:t>LiPO2F2</a:t>
+                      </a:r>
+                      <a:endParaRPr lang="ko-KR" altLang="en-US" dirty="0"/>
+                    </a:p>
+                  </a:txBody>
+                  <a:tcPr/>
+                </a:tc>
+                <a:tc>
+                  <a:txBody>
+                    <a:bodyPr/>
+                    <a:lstStyle/>
+                    <a:p>
+                      <a:pPr latinLnBrk="1"/>
+                      <a:r>
+                        <a:rPr lang="en-US" altLang="ko-KR" dirty="0"/>
+                        <a:t>-0.0753</a:t>
+                      </a:r>
+                      <a:endParaRPr lang="ko-KR" altLang="en-US" dirty="0"/>
+                    </a:p>
+                  </a:txBody>
+                  <a:tcPr/>
+                </a:tc>
+                <a:tc>
+                  <a:txBody>
+                    <a:bodyPr/>
+                    <a:lstStyle/>
+                    <a:p>
+                      <a:pPr latinLnBrk="1"/>
+                      <a:r>
+                        <a:rPr lang="en-US" altLang="ko-KR" dirty="0"/>
+                        <a:t>-0.2835</a:t>
+                      </a:r>
+                      <a:endParaRPr lang="ko-KR" altLang="en-US" dirty="0"/>
+                    </a:p>
+                  </a:txBody>
+                  <a:tcPr/>
+                </a:tc>
+                <a:tc>
+                  <a:txBody>
+                    <a:bodyPr/>
+                    <a:lstStyle/>
+                    <a:p>
+                      <a:pPr latinLnBrk="1"/>
+                      <a:endParaRPr lang="ko-KR" altLang="en-US"/>
+                    </a:p>
+                  </a:txBody>
+                  <a:tcPr/>
+                </a:tc>
+                <a:tc>
+                  <a:txBody>
+                    <a:bodyPr/>
+                    <a:lstStyle/>
+                    <a:p>
+                      <a:pPr latinLnBrk="1"/>
+                      <a:endParaRPr lang="ko-KR" altLang="en-US" dirty="0"/>
+                    </a:p>
+                  </a:txBody>
+                  <a:tcPr/>
+                </a:tc>
+                <a:extLst>
+                  <a:ext uri="{0D108BD9-81ED-4DB2-BD59-A6C34878D82A}">
+                    <a16:rowId xmlns:a16="http://schemas.microsoft.com/office/drawing/2014/main" val="2853387791"/>
+                  </a:ext>
+                </a:extLst>
+              </a:tr>
+              <a:tr h="370840">
+                <a:tc>
+                  <a:txBody>
+                    <a:bodyPr/>
+                    <a:lstStyle/>
+                    <a:p>
+                      <a:pPr latinLnBrk="1"/>
+                      <a:r>
+                        <a:rPr lang="en-US" altLang="ko-KR" dirty="0"/>
+                        <a:t>DVS</a:t>
+                      </a:r>
+                      <a:endParaRPr lang="ko-KR" altLang="en-US" dirty="0"/>
+                    </a:p>
+                  </a:txBody>
+                  <a:tcPr/>
+                </a:tc>
+                <a:tc>
+                  <a:txBody>
+                    <a:bodyPr/>
+                    <a:lstStyle/>
+                    <a:p>
+                      <a:pPr latinLnBrk="1"/>
+                      <a:r>
+                        <a:rPr lang="en-US" altLang="ko-KR" dirty="0"/>
+                        <a:t>-0.0717</a:t>
+                      </a:r>
+                      <a:endParaRPr lang="ko-KR" altLang="en-US" dirty="0"/>
+                    </a:p>
+                  </a:txBody>
+                  <a:tcPr/>
+                </a:tc>
+                <a:tc>
+                  <a:txBody>
+                    <a:bodyPr/>
+                    <a:lstStyle/>
+                    <a:p>
+                      <a:pPr latinLnBrk="1"/>
+                      <a:r>
+                        <a:rPr lang="en-US" altLang="ko-KR" dirty="0"/>
+                        <a:t>-0.2967</a:t>
+                      </a:r>
+                      <a:endParaRPr lang="ko-KR" altLang="en-US" dirty="0"/>
+                    </a:p>
+                  </a:txBody>
+                  <a:tcPr/>
+                </a:tc>
+                <a:tc>
+                  <a:txBody>
+                    <a:bodyPr/>
+                    <a:lstStyle/>
+                    <a:p>
+                      <a:pPr latinLnBrk="1"/>
+                      <a:endParaRPr lang="ko-KR" altLang="en-US"/>
+                    </a:p>
+                  </a:txBody>
+                  <a:tcPr/>
+                </a:tc>
+                <a:tc>
+                  <a:txBody>
+                    <a:bodyPr/>
+                    <a:lstStyle/>
+                    <a:p>
+                      <a:pPr latinLnBrk="1"/>
+                      <a:endParaRPr lang="ko-KR" altLang="en-US" dirty="0"/>
+                    </a:p>
+                  </a:txBody>
+                  <a:tcPr/>
+                </a:tc>
+                <a:extLst>
+                  <a:ext uri="{0D108BD9-81ED-4DB2-BD59-A6C34878D82A}">
+                    <a16:rowId xmlns:a16="http://schemas.microsoft.com/office/drawing/2014/main" val="2702530996"/>
+                  </a:ext>
+                </a:extLst>
+              </a:tr>
+            </a:tbl>
+          </a:graphicData>
+        </a:graphic>
+      </p:graphicFrame>
     </p:spTree>
     <p:extLst>
       <p:ext uri="{BB962C8B-B14F-4D97-AF65-F5344CB8AC3E}">
